--- a/ppt/2.线性表.pptx
+++ b/ppt/2.线性表.pptx
@@ -266,7 +266,7 @@
           <a:p>
             <a:fld id="{66C3546E-20F6-7649-A9A4-4E4A245D3E82}" type="datetimeFigureOut">
               <a:rPr kumimoji="1" lang="zh-CN" altLang="en-US" smtClean="0"/>
-              <a:t>2020/2/9</a:t>
+              <a:t>2020/2/11</a:t>
             </a:fld>
             <a:endParaRPr kumimoji="1" lang="zh-CN" altLang="en-US"/>
           </a:p>
@@ -2090,7 +2090,7 @@
           <a:p>
             <a:fld id="{1C49BB65-7B3F-4D4E-A397-BBFD82890A5A}" type="datetimeFigureOut">
               <a:rPr kumimoji="1" lang="zh-CN" altLang="en-US" smtClean="0"/>
-              <a:t>2020/2/9</a:t>
+              <a:t>2020/2/11</a:t>
             </a:fld>
             <a:endParaRPr kumimoji="1" lang="zh-CN" altLang="en-US"/>
           </a:p>
@@ -2288,7 +2288,7 @@
           <a:p>
             <a:fld id="{1C49BB65-7B3F-4D4E-A397-BBFD82890A5A}" type="datetimeFigureOut">
               <a:rPr kumimoji="1" lang="zh-CN" altLang="en-US" smtClean="0"/>
-              <a:t>2020/2/9</a:t>
+              <a:t>2020/2/11</a:t>
             </a:fld>
             <a:endParaRPr kumimoji="1" lang="zh-CN" altLang="en-US"/>
           </a:p>
@@ -2496,7 +2496,7 @@
           <a:p>
             <a:fld id="{1C49BB65-7B3F-4D4E-A397-BBFD82890A5A}" type="datetimeFigureOut">
               <a:rPr kumimoji="1" lang="zh-CN" altLang="en-US" smtClean="0"/>
-              <a:t>2020/2/9</a:t>
+              <a:t>2020/2/11</a:t>
             </a:fld>
             <a:endParaRPr kumimoji="1" lang="zh-CN" altLang="en-US"/>
           </a:p>
@@ -2694,7 +2694,7 @@
           <a:p>
             <a:fld id="{1C49BB65-7B3F-4D4E-A397-BBFD82890A5A}" type="datetimeFigureOut">
               <a:rPr kumimoji="1" lang="zh-CN" altLang="en-US" smtClean="0"/>
-              <a:t>2020/2/9</a:t>
+              <a:t>2020/2/11</a:t>
             </a:fld>
             <a:endParaRPr kumimoji="1" lang="zh-CN" altLang="en-US"/>
           </a:p>
@@ -2969,7 +2969,7 @@
           <a:p>
             <a:fld id="{1C49BB65-7B3F-4D4E-A397-BBFD82890A5A}" type="datetimeFigureOut">
               <a:rPr kumimoji="1" lang="zh-CN" altLang="en-US" smtClean="0"/>
-              <a:t>2020/2/9</a:t>
+              <a:t>2020/2/11</a:t>
             </a:fld>
             <a:endParaRPr kumimoji="1" lang="zh-CN" altLang="en-US"/>
           </a:p>
@@ -3234,7 +3234,7 @@
           <a:p>
             <a:fld id="{1C49BB65-7B3F-4D4E-A397-BBFD82890A5A}" type="datetimeFigureOut">
               <a:rPr kumimoji="1" lang="zh-CN" altLang="en-US" smtClean="0"/>
-              <a:t>2020/2/9</a:t>
+              <a:t>2020/2/11</a:t>
             </a:fld>
             <a:endParaRPr kumimoji="1" lang="zh-CN" altLang="en-US"/>
           </a:p>
@@ -3646,7 +3646,7 @@
           <a:p>
             <a:fld id="{1C49BB65-7B3F-4D4E-A397-BBFD82890A5A}" type="datetimeFigureOut">
               <a:rPr kumimoji="1" lang="zh-CN" altLang="en-US" smtClean="0"/>
-              <a:t>2020/2/9</a:t>
+              <a:t>2020/2/11</a:t>
             </a:fld>
             <a:endParaRPr kumimoji="1" lang="zh-CN" altLang="en-US"/>
           </a:p>
@@ -3787,7 +3787,7 @@
           <a:p>
             <a:fld id="{1C49BB65-7B3F-4D4E-A397-BBFD82890A5A}" type="datetimeFigureOut">
               <a:rPr kumimoji="1" lang="zh-CN" altLang="en-US" smtClean="0"/>
-              <a:t>2020/2/9</a:t>
+              <a:t>2020/2/11</a:t>
             </a:fld>
             <a:endParaRPr kumimoji="1" lang="zh-CN" altLang="en-US"/>
           </a:p>
@@ -4157,7 +4157,7 @@
           <a:p>
             <a:fld id="{1C49BB65-7B3F-4D4E-A397-BBFD82890A5A}" type="datetimeFigureOut">
               <a:rPr kumimoji="1" lang="zh-CN" altLang="en-US" smtClean="0"/>
-              <a:t>2020/2/9</a:t>
+              <a:t>2020/2/11</a:t>
             </a:fld>
             <a:endParaRPr kumimoji="1" lang="zh-CN" altLang="en-US"/>
           </a:p>
@@ -4445,7 +4445,7 @@
           <a:p>
             <a:fld id="{1C49BB65-7B3F-4D4E-A397-BBFD82890A5A}" type="datetimeFigureOut">
               <a:rPr kumimoji="1" lang="zh-CN" altLang="en-US" smtClean="0"/>
-              <a:t>2020/2/9</a:t>
+              <a:t>2020/2/11</a:t>
             </a:fld>
             <a:endParaRPr kumimoji="1" lang="zh-CN" altLang="en-US"/>
           </a:p>
@@ -4686,7 +4686,7 @@
           <a:p>
             <a:fld id="{1C49BB65-7B3F-4D4E-A397-BBFD82890A5A}" type="datetimeFigureOut">
               <a:rPr kumimoji="1" lang="zh-CN" altLang="en-US" smtClean="0"/>
-              <a:t>2020/2/9</a:t>
+              <a:t>2020/2/11</a:t>
             </a:fld>
             <a:endParaRPr kumimoji="1" lang="zh-CN" altLang="en-US"/>
           </a:p>
@@ -11452,7 +11452,7 @@
         <p:spPr>
           <a:xfrm>
             <a:off x="3653856" y="2136565"/>
-            <a:ext cx="7443216" cy="6772276"/>
+            <a:ext cx="7443216" cy="6125945"/>
           </a:xfrm>
           <a:prstGeom prst="rect">
             <a:avLst/>
@@ -11600,43 +11600,6 @@
               <a:latin typeface="Microsoft YaHei" panose="020B0503020204020204" pitchFamily="34" charset="-122"/>
               <a:ea typeface="Microsoft YaHei" panose="020B0503020204020204" pitchFamily="34" charset="-122"/>
             </a:endParaRPr>
-          </a:p>
-          <a:p>
-            <a:pPr marL="571500" indent="-571500">
-              <a:lnSpc>
-                <a:spcPct val="150000"/>
-              </a:lnSpc>
-              <a:buFont typeface="Wingdings" pitchFamily="2" charset="2"/>
-              <a:buChar char="Ø"/>
-            </a:pPr>
-            <a:r>
-              <a:rPr kumimoji="1" lang="zh-CN" altLang="en-US" sz="2800" dirty="0">
-                <a:latin typeface="Microsoft YaHei" panose="020B0503020204020204" pitchFamily="34" charset="-122"/>
-                <a:ea typeface="Microsoft YaHei" panose="020B0503020204020204" pitchFamily="34" charset="-122"/>
-              </a:rPr>
-              <a:t>静态链表</a:t>
-            </a:r>
-            <a:r>
-              <a:rPr kumimoji="1" lang="en-US" altLang="zh-CN" sz="2800" dirty="0">
-                <a:latin typeface="Microsoft YaHei" panose="020B0503020204020204" pitchFamily="34" charset="-122"/>
-                <a:ea typeface="Microsoft YaHei" panose="020B0503020204020204" pitchFamily="34" charset="-122"/>
-              </a:rPr>
-              <a:t>(</a:t>
-            </a:r>
-            <a:r>
-              <a:rPr kumimoji="1" lang="zh-CN" altLang="en-US" sz="2800" dirty="0">
-                <a:latin typeface="Microsoft YaHei" panose="020B0503020204020204" pitchFamily="34" charset="-122"/>
-                <a:ea typeface="Microsoft YaHei" panose="020B0503020204020204" pitchFamily="34" charset="-122"/>
-              </a:rPr>
-              <a:t>自己学习</a:t>
-            </a:r>
-            <a:r>
-              <a:rPr kumimoji="1" lang="en-US" altLang="zh-CN" sz="2800" dirty="0">
-                <a:latin typeface="Microsoft YaHei" panose="020B0503020204020204" pitchFamily="34" charset="-122"/>
-                <a:ea typeface="Microsoft YaHei" panose="020B0503020204020204" pitchFamily="34" charset="-122"/>
-              </a:rPr>
-              <a:t>)</a:t>
-            </a:r>
           </a:p>
           <a:p>
             <a:pPr marL="571500" indent="-571500">

--- a/ppt/2.线性表.pptx
+++ b/ppt/2.线性表.pptx
@@ -266,7 +266,7 @@
           <a:p>
             <a:fld id="{66C3546E-20F6-7649-A9A4-4E4A245D3E82}" type="datetimeFigureOut">
               <a:rPr kumimoji="1" lang="zh-CN" altLang="en-US" smtClean="0"/>
-              <a:t>2020/2/11</a:t>
+              <a:t>2020/2/22</a:t>
             </a:fld>
             <a:endParaRPr kumimoji="1" lang="zh-CN" altLang="en-US"/>
           </a:p>
@@ -2090,7 +2090,7 @@
           <a:p>
             <a:fld id="{1C49BB65-7B3F-4D4E-A397-BBFD82890A5A}" type="datetimeFigureOut">
               <a:rPr kumimoji="1" lang="zh-CN" altLang="en-US" smtClean="0"/>
-              <a:t>2020/2/11</a:t>
+              <a:t>2020/2/22</a:t>
             </a:fld>
             <a:endParaRPr kumimoji="1" lang="zh-CN" altLang="en-US"/>
           </a:p>
@@ -2288,7 +2288,7 @@
           <a:p>
             <a:fld id="{1C49BB65-7B3F-4D4E-A397-BBFD82890A5A}" type="datetimeFigureOut">
               <a:rPr kumimoji="1" lang="zh-CN" altLang="en-US" smtClean="0"/>
-              <a:t>2020/2/11</a:t>
+              <a:t>2020/2/22</a:t>
             </a:fld>
             <a:endParaRPr kumimoji="1" lang="zh-CN" altLang="en-US"/>
           </a:p>
@@ -2496,7 +2496,7 @@
           <a:p>
             <a:fld id="{1C49BB65-7B3F-4D4E-A397-BBFD82890A5A}" type="datetimeFigureOut">
               <a:rPr kumimoji="1" lang="zh-CN" altLang="en-US" smtClean="0"/>
-              <a:t>2020/2/11</a:t>
+              <a:t>2020/2/22</a:t>
             </a:fld>
             <a:endParaRPr kumimoji="1" lang="zh-CN" altLang="en-US"/>
           </a:p>
@@ -2694,7 +2694,7 @@
           <a:p>
             <a:fld id="{1C49BB65-7B3F-4D4E-A397-BBFD82890A5A}" type="datetimeFigureOut">
               <a:rPr kumimoji="1" lang="zh-CN" altLang="en-US" smtClean="0"/>
-              <a:t>2020/2/11</a:t>
+              <a:t>2020/2/22</a:t>
             </a:fld>
             <a:endParaRPr kumimoji="1" lang="zh-CN" altLang="en-US"/>
           </a:p>
@@ -2969,7 +2969,7 @@
           <a:p>
             <a:fld id="{1C49BB65-7B3F-4D4E-A397-BBFD82890A5A}" type="datetimeFigureOut">
               <a:rPr kumimoji="1" lang="zh-CN" altLang="en-US" smtClean="0"/>
-              <a:t>2020/2/11</a:t>
+              <a:t>2020/2/22</a:t>
             </a:fld>
             <a:endParaRPr kumimoji="1" lang="zh-CN" altLang="en-US"/>
           </a:p>
@@ -3234,7 +3234,7 @@
           <a:p>
             <a:fld id="{1C49BB65-7B3F-4D4E-A397-BBFD82890A5A}" type="datetimeFigureOut">
               <a:rPr kumimoji="1" lang="zh-CN" altLang="en-US" smtClean="0"/>
-              <a:t>2020/2/11</a:t>
+              <a:t>2020/2/22</a:t>
             </a:fld>
             <a:endParaRPr kumimoji="1" lang="zh-CN" altLang="en-US"/>
           </a:p>
@@ -3646,7 +3646,7 @@
           <a:p>
             <a:fld id="{1C49BB65-7B3F-4D4E-A397-BBFD82890A5A}" type="datetimeFigureOut">
               <a:rPr kumimoji="1" lang="zh-CN" altLang="en-US" smtClean="0"/>
-              <a:t>2020/2/11</a:t>
+              <a:t>2020/2/22</a:t>
             </a:fld>
             <a:endParaRPr kumimoji="1" lang="zh-CN" altLang="en-US"/>
           </a:p>
@@ -3787,7 +3787,7 @@
           <a:p>
             <a:fld id="{1C49BB65-7B3F-4D4E-A397-BBFD82890A5A}" type="datetimeFigureOut">
               <a:rPr kumimoji="1" lang="zh-CN" altLang="en-US" smtClean="0"/>
-              <a:t>2020/2/11</a:t>
+              <a:t>2020/2/22</a:t>
             </a:fld>
             <a:endParaRPr kumimoji="1" lang="zh-CN" altLang="en-US"/>
           </a:p>
@@ -4157,7 +4157,7 @@
           <a:p>
             <a:fld id="{1C49BB65-7B3F-4D4E-A397-BBFD82890A5A}" type="datetimeFigureOut">
               <a:rPr kumimoji="1" lang="zh-CN" altLang="en-US" smtClean="0"/>
-              <a:t>2020/2/11</a:t>
+              <a:t>2020/2/22</a:t>
             </a:fld>
             <a:endParaRPr kumimoji="1" lang="zh-CN" altLang="en-US"/>
           </a:p>
@@ -4445,7 +4445,7 @@
           <a:p>
             <a:fld id="{1C49BB65-7B3F-4D4E-A397-BBFD82890A5A}" type="datetimeFigureOut">
               <a:rPr kumimoji="1" lang="zh-CN" altLang="en-US" smtClean="0"/>
-              <a:t>2020/2/11</a:t>
+              <a:t>2020/2/22</a:t>
             </a:fld>
             <a:endParaRPr kumimoji="1" lang="zh-CN" altLang="en-US"/>
           </a:p>
@@ -4686,7 +4686,7 @@
           <a:p>
             <a:fld id="{1C49BB65-7B3F-4D4E-A397-BBFD82890A5A}" type="datetimeFigureOut">
               <a:rPr kumimoji="1" lang="zh-CN" altLang="en-US" smtClean="0"/>
-              <a:t>2020/2/11</a:t>
+              <a:t>2020/2/22</a:t>
             </a:fld>
             <a:endParaRPr kumimoji="1" lang="zh-CN" altLang="en-US"/>
           </a:p>

--- a/ppt/2.线性表.pptx
+++ b/ppt/2.线性表.pptx
@@ -266,7 +266,7 @@
           <a:p>
             <a:fld id="{66C3546E-20F6-7649-A9A4-4E4A245D3E82}" type="datetimeFigureOut">
               <a:rPr kumimoji="1" lang="zh-CN" altLang="en-US" smtClean="0"/>
-              <a:t>2020/2/22</a:t>
+              <a:t>2020/3/5</a:t>
             </a:fld>
             <a:endParaRPr kumimoji="1" lang="zh-CN" altLang="en-US"/>
           </a:p>
@@ -2090,7 +2090,7 @@
           <a:p>
             <a:fld id="{1C49BB65-7B3F-4D4E-A397-BBFD82890A5A}" type="datetimeFigureOut">
               <a:rPr kumimoji="1" lang="zh-CN" altLang="en-US" smtClean="0"/>
-              <a:t>2020/2/22</a:t>
+              <a:t>2020/3/5</a:t>
             </a:fld>
             <a:endParaRPr kumimoji="1" lang="zh-CN" altLang="en-US"/>
           </a:p>
@@ -2288,7 +2288,7 @@
           <a:p>
             <a:fld id="{1C49BB65-7B3F-4D4E-A397-BBFD82890A5A}" type="datetimeFigureOut">
               <a:rPr kumimoji="1" lang="zh-CN" altLang="en-US" smtClean="0"/>
-              <a:t>2020/2/22</a:t>
+              <a:t>2020/3/5</a:t>
             </a:fld>
             <a:endParaRPr kumimoji="1" lang="zh-CN" altLang="en-US"/>
           </a:p>
@@ -2496,7 +2496,7 @@
           <a:p>
             <a:fld id="{1C49BB65-7B3F-4D4E-A397-BBFD82890A5A}" type="datetimeFigureOut">
               <a:rPr kumimoji="1" lang="zh-CN" altLang="en-US" smtClean="0"/>
-              <a:t>2020/2/22</a:t>
+              <a:t>2020/3/5</a:t>
             </a:fld>
             <a:endParaRPr kumimoji="1" lang="zh-CN" altLang="en-US"/>
           </a:p>
@@ -2694,7 +2694,7 @@
           <a:p>
             <a:fld id="{1C49BB65-7B3F-4D4E-A397-BBFD82890A5A}" type="datetimeFigureOut">
               <a:rPr kumimoji="1" lang="zh-CN" altLang="en-US" smtClean="0"/>
-              <a:t>2020/2/22</a:t>
+              <a:t>2020/3/5</a:t>
             </a:fld>
             <a:endParaRPr kumimoji="1" lang="zh-CN" altLang="en-US"/>
           </a:p>
@@ -2969,7 +2969,7 @@
           <a:p>
             <a:fld id="{1C49BB65-7B3F-4D4E-A397-BBFD82890A5A}" type="datetimeFigureOut">
               <a:rPr kumimoji="1" lang="zh-CN" altLang="en-US" smtClean="0"/>
-              <a:t>2020/2/22</a:t>
+              <a:t>2020/3/5</a:t>
             </a:fld>
             <a:endParaRPr kumimoji="1" lang="zh-CN" altLang="en-US"/>
           </a:p>
@@ -3234,7 +3234,7 @@
           <a:p>
             <a:fld id="{1C49BB65-7B3F-4D4E-A397-BBFD82890A5A}" type="datetimeFigureOut">
               <a:rPr kumimoji="1" lang="zh-CN" altLang="en-US" smtClean="0"/>
-              <a:t>2020/2/22</a:t>
+              <a:t>2020/3/5</a:t>
             </a:fld>
             <a:endParaRPr kumimoji="1" lang="zh-CN" altLang="en-US"/>
           </a:p>
@@ -3646,7 +3646,7 @@
           <a:p>
             <a:fld id="{1C49BB65-7B3F-4D4E-A397-BBFD82890A5A}" type="datetimeFigureOut">
               <a:rPr kumimoji="1" lang="zh-CN" altLang="en-US" smtClean="0"/>
-              <a:t>2020/2/22</a:t>
+              <a:t>2020/3/5</a:t>
             </a:fld>
             <a:endParaRPr kumimoji="1" lang="zh-CN" altLang="en-US"/>
           </a:p>
@@ -3787,7 +3787,7 @@
           <a:p>
             <a:fld id="{1C49BB65-7B3F-4D4E-A397-BBFD82890A5A}" type="datetimeFigureOut">
               <a:rPr kumimoji="1" lang="zh-CN" altLang="en-US" smtClean="0"/>
-              <a:t>2020/2/22</a:t>
+              <a:t>2020/3/5</a:t>
             </a:fld>
             <a:endParaRPr kumimoji="1" lang="zh-CN" altLang="en-US"/>
           </a:p>
@@ -4157,7 +4157,7 @@
           <a:p>
             <a:fld id="{1C49BB65-7B3F-4D4E-A397-BBFD82890A5A}" type="datetimeFigureOut">
               <a:rPr kumimoji="1" lang="zh-CN" altLang="en-US" smtClean="0"/>
-              <a:t>2020/2/22</a:t>
+              <a:t>2020/3/5</a:t>
             </a:fld>
             <a:endParaRPr kumimoji="1" lang="zh-CN" altLang="en-US"/>
           </a:p>
@@ -4445,7 +4445,7 @@
           <a:p>
             <a:fld id="{1C49BB65-7B3F-4D4E-A397-BBFD82890A5A}" type="datetimeFigureOut">
               <a:rPr kumimoji="1" lang="zh-CN" altLang="en-US" smtClean="0"/>
-              <a:t>2020/2/22</a:t>
+              <a:t>2020/3/5</a:t>
             </a:fld>
             <a:endParaRPr kumimoji="1" lang="zh-CN" altLang="en-US"/>
           </a:p>
@@ -4686,7 +4686,7 @@
           <a:p>
             <a:fld id="{1C49BB65-7B3F-4D4E-A397-BBFD82890A5A}" type="datetimeFigureOut">
               <a:rPr kumimoji="1" lang="zh-CN" altLang="en-US" smtClean="0"/>
-              <a:t>2020/2/22</a:t>
+              <a:t>2020/3/5</a:t>
             </a:fld>
             <a:endParaRPr kumimoji="1" lang="zh-CN" altLang="en-US"/>
           </a:p>
@@ -5246,7 +5246,28 @@
                 <a:latin typeface="Microsoft YaHei" panose="020B0503020204020204" pitchFamily="34" charset="-122"/>
                 <a:ea typeface="Microsoft YaHei" panose="020B0503020204020204" pitchFamily="34" charset="-122"/>
               </a:rPr>
-              <a:t>第三节课 线性表</a:t>
+              <a:t>第</a:t>
+            </a:r>
+            <a:r>
+              <a:rPr kumimoji="1" lang="en-US" altLang="zh-CN" sz="4000">
+                <a:latin typeface="Microsoft YaHei" panose="020B0503020204020204" pitchFamily="34" charset="-122"/>
+                <a:ea typeface="Microsoft YaHei" panose="020B0503020204020204" pitchFamily="34" charset="-122"/>
+              </a:rPr>
+              <a:t>3</a:t>
+            </a:r>
+            <a:r>
+              <a:rPr kumimoji="1" lang="zh-CN" altLang="en-US" sz="4000">
+                <a:latin typeface="Microsoft YaHei" panose="020B0503020204020204" pitchFamily="34" charset="-122"/>
+                <a:ea typeface="Microsoft YaHei" panose="020B0503020204020204" pitchFamily="34" charset="-122"/>
+              </a:rPr>
+              <a:t>节</a:t>
+            </a:r>
+            <a:r>
+              <a:rPr kumimoji="1" lang="zh-CN" altLang="en-US" sz="4000" dirty="0">
+                <a:latin typeface="Microsoft YaHei" panose="020B0503020204020204" pitchFamily="34" charset="-122"/>
+                <a:ea typeface="Microsoft YaHei" panose="020B0503020204020204" pitchFamily="34" charset="-122"/>
+              </a:rPr>
+              <a:t>课 线性表</a:t>
             </a:r>
           </a:p>
         </p:txBody>
